--- a/publication/TASTVG-ICLR25-poster.pptx
+++ b/publication/TASTVG-ICLR25-poster.pptx
@@ -2945,7 +2945,7 @@
         </p:blipFill>
         <p:spPr>
           <a:xfrm>
-            <a:off x="34384063" y="148515"/>
+            <a:off x="35720492" y="148515"/>
             <a:ext cx="7652855" cy="2044140"/>
           </a:xfrm>
           <a:prstGeom prst="rect">
@@ -3187,8 +3187,8 @@
         </p:nvSpPr>
         <p:spPr>
           <a:xfrm>
-            <a:off x="8704324" y="148959"/>
-            <a:ext cx="26419720" cy="2144354"/>
+            <a:off x="8704323" y="148959"/>
+            <a:ext cx="27306715" cy="2144354"/>
           </a:xfrm>
           <a:prstGeom prst="rect">
             <a:avLst/>
@@ -6141,65 +6141,6 @@
           </a:prstGeom>
         </p:spPr>
       </p:pic>
-      <p:sp>
-        <p:nvSpPr>
-          <p:cNvPr id="1089" name="Rectangle 1088">
-            <a:extLst>
-              <a:ext uri="{FF2B5EF4-FFF2-40B4-BE49-F238E27FC236}">
-                <a16:creationId xmlns:a16="http://schemas.microsoft.com/office/drawing/2014/main" id="{1D3FD99A-0AFD-6FDB-4C86-B0981BD9CB5B}"/>
-              </a:ext>
-            </a:extLst>
-          </p:cNvPr>
-          <p:cNvSpPr/>
-          <p:nvPr/>
-        </p:nvSpPr>
-        <p:spPr>
-          <a:xfrm>
-            <a:off x="41745829" y="750871"/>
-            <a:ext cx="2108795" cy="914400"/>
-          </a:xfrm>
-          <a:prstGeom prst="rect">
-            <a:avLst/>
-          </a:prstGeom>
-          <a:noFill/>
-          <a:ln>
-            <a:noFill/>
-          </a:ln>
-        </p:spPr>
-        <p:style>
-          <a:lnRef idx="2">
-            <a:schemeClr val="accent1">
-              <a:shade val="15000"/>
-            </a:schemeClr>
-          </a:lnRef>
-          <a:fillRef idx="1">
-            <a:schemeClr val="accent1"/>
-          </a:fillRef>
-          <a:effectRef idx="0">
-            <a:schemeClr val="accent1"/>
-          </a:effectRef>
-          <a:fontRef idx="minor">
-            <a:schemeClr val="lt1"/>
-          </a:fontRef>
-        </p:style>
-        <p:txBody>
-          <a:bodyPr rtlCol="0" anchor="ctr"/>
-          <a:lstStyle/>
-          <a:p>
-            <a:pPr algn="ctr"/>
-            <a:r>
-              <a:rPr lang="en-US" sz="5400" b="1" dirty="0">
-                <a:solidFill>
-                  <a:schemeClr val="bg1">
-                    <a:lumMod val="65000"/>
-                  </a:schemeClr>
-                </a:solidFill>
-              </a:rPr>
-              <a:t>[Oral]</a:t>
-            </a:r>
-          </a:p>
-        </p:txBody>
-      </p:sp>
     </p:spTree>
   </p:cSld>
   <p:clrMapOvr>
